--- a/Prusseit_u_Reiss_aktueller_Stand.pptx
+++ b/Prusseit_u_Reiss_aktueller_Stand.pptx
@@ -56329,8 +56329,8 @@
 <file path=customXml/item1.xml><?xml version="1.0" encoding="utf-8"?>
 <p:properties xmlns:p="http://schemas.microsoft.com/office/2006/metadata/properties" xmlns:xsi="http://www.w3.org/2001/XMLSchema-instance" xmlns:pc="http://schemas.microsoft.com/office/infopath/2007/PartnerControls">
   <documentManagement>
-    <TaxCatchAll xmlns="d19148a6-9c14-46dc-b5f8-38518494dfee" xsi:nil="true"/>
-    <lcf76f155ced4ddcb4097134ff3c332f xmlns="9f381ceb-3cd9-4c82-af15-8bcf472081ec">
+    <TaxCatchAll xmlns="23ddcab0-a966-4845-914d-c4a107ab42c2" xsi:nil="true"/>
+    <lcf76f155ced4ddcb4097134ff3c332f xmlns="8d4975fd-2504-4294-8096-00674f6a784b">
       <Terms xmlns="http://schemas.microsoft.com/office/infopath/2007/PartnerControls"/>
     </lcf76f155ced4ddcb4097134ff3c332f>
   </documentManagement>
@@ -56338,10 +56338,10 @@
 </file>
 
 <file path=customXml/item2.xml><?xml version="1.0" encoding="utf-8"?>
-<ct:contentTypeSchema xmlns:ct="http://schemas.microsoft.com/office/2006/metadata/contentType" xmlns:ma="http://schemas.microsoft.com/office/2006/metadata/properties/metaAttributes" ct:_="" ma:_="" ma:contentTypeName="Dokument" ma:contentTypeID="0x01010075D42E335A1DDF41B22EBD87255165CE" ma:contentTypeVersion="13" ma:contentTypeDescription="Ein neues Dokument erstellen." ma:contentTypeScope="" ma:versionID="a8ef7d470153e7c6a6997f98368e87fd">
-  <xsd:schema xmlns:xsd="http://www.w3.org/2001/XMLSchema" xmlns:xs="http://www.w3.org/2001/XMLSchema" xmlns:p="http://schemas.microsoft.com/office/2006/metadata/properties" xmlns:ns2="9f381ceb-3cd9-4c82-af15-8bcf472081ec" xmlns:ns3="d19148a6-9c14-46dc-b5f8-38518494dfee" targetNamespace="http://schemas.microsoft.com/office/2006/metadata/properties" ma:root="true" ma:fieldsID="f88fd686406ea4b4886bf3393893de88" ns2:_="" ns3:_="">
-    <xsd:import namespace="9f381ceb-3cd9-4c82-af15-8bcf472081ec"/>
-    <xsd:import namespace="d19148a6-9c14-46dc-b5f8-38518494dfee"/>
+<ct:contentTypeSchema xmlns:ct="http://schemas.microsoft.com/office/2006/metadata/contentType" xmlns:ma="http://schemas.microsoft.com/office/2006/metadata/properties/metaAttributes" ct:_="" ma:_="" ma:contentTypeName="Dokument" ma:contentTypeID="0x0101003DDF197BBDC1B34EA70DDB8D74504810" ma:contentTypeVersion="17" ma:contentTypeDescription="Ein neues Dokument erstellen." ma:contentTypeScope="" ma:versionID="eff7111c78835bd65e702746b25d8087">
+  <xsd:schema xmlns:xsd="http://www.w3.org/2001/XMLSchema" xmlns:xs="http://www.w3.org/2001/XMLSchema" xmlns:p="http://schemas.microsoft.com/office/2006/metadata/properties" xmlns:ns2="8d4975fd-2504-4294-8096-00674f6a784b" xmlns:ns3="23ddcab0-a966-4845-914d-c4a107ab42c2" targetNamespace="http://schemas.microsoft.com/office/2006/metadata/properties" ma:root="true" ma:fieldsID="1d11264b29d278e18c649131782fb49b" ns2:_="" ns3:_="">
+    <xsd:import namespace="8d4975fd-2504-4294-8096-00674f6a784b"/>
+    <xsd:import namespace="23ddcab0-a966-4845-914d-c4a107ab42c2"/>
     <xsd:element name="properties">
       <xsd:complexType>
         <xsd:sequence>
@@ -56350,15 +56350,19 @@
               <xsd:all>
                 <xsd:element ref="ns2:MediaServiceMetadata" minOccurs="0"/>
                 <xsd:element ref="ns2:MediaServiceFastMetadata" minOccurs="0"/>
+                <xsd:element ref="ns2:MediaServiceAutoKeyPoints" minOccurs="0"/>
+                <xsd:element ref="ns2:MediaServiceKeyPoints" minOccurs="0"/>
+                <xsd:element ref="ns2:MediaServiceAutoTags" minOccurs="0"/>
+                <xsd:element ref="ns2:MediaServiceGenerationTime" minOccurs="0"/>
+                <xsd:element ref="ns2:MediaServiceEventHashCode" minOccurs="0"/>
+                <xsd:element ref="ns2:MediaServiceOCR" minOccurs="0"/>
+                <xsd:element ref="ns3:SharedWithUsers" minOccurs="0"/>
+                <xsd:element ref="ns3:SharedWithDetails" minOccurs="0"/>
                 <xsd:element ref="ns2:lcf76f155ced4ddcb4097134ff3c332f" minOccurs="0"/>
                 <xsd:element ref="ns3:TaxCatchAll" minOccurs="0"/>
                 <xsd:element ref="ns2:MediaServiceDateTaken" minOccurs="0"/>
-                <xsd:element ref="ns2:MediaServiceGenerationTime" minOccurs="0"/>
-                <xsd:element ref="ns2:MediaServiceEventHashCode" minOccurs="0"/>
+                <xsd:element ref="ns2:MediaLengthInSeconds" minOccurs="0"/>
                 <xsd:element ref="ns2:MediaServiceObjectDetectorVersions" minOccurs="0"/>
-                <xsd:element ref="ns2:MediaServiceOCR" minOccurs="0"/>
-                <xsd:element ref="ns3:SharedWithUsers" minOccurs="0"/>
-                <xsd:element ref="ns3:SharedWithDetails" minOccurs="0"/>
                 <xsd:element ref="ns2:MediaServiceSearchProperties" minOccurs="0"/>
               </xsd:all>
             </xsd:complexType>
@@ -56367,7 +56371,7 @@
       </xsd:complexType>
     </xsd:element>
   </xsd:schema>
-  <xsd:schema xmlns:xsd="http://www.w3.org/2001/XMLSchema" xmlns:xs="http://www.w3.org/2001/XMLSchema" xmlns:dms="http://schemas.microsoft.com/office/2006/documentManagement/types" xmlns:pc="http://schemas.microsoft.com/office/infopath/2007/PartnerControls" targetNamespace="9f381ceb-3cd9-4c82-af15-8bcf472081ec" elementFormDefault="qualified">
+  <xsd:schema xmlns:xsd="http://www.w3.org/2001/XMLSchema" xmlns:xs="http://www.w3.org/2001/XMLSchema" xmlns:dms="http://schemas.microsoft.com/office/2006/documentManagement/types" xmlns:pc="http://schemas.microsoft.com/office/infopath/2007/PartnerControls" targetNamespace="8d4975fd-2504-4294-8096-00674f6a784b" elementFormDefault="qualified">
     <xsd:import namespace="http://schemas.microsoft.com/office/2006/documentManagement/types"/>
     <xsd:import namespace="http://schemas.microsoft.com/office/infopath/2007/PartnerControls"/>
     <xsd:element name="MediaServiceMetadata" ma:index="8" nillable="true" ma:displayName="MediaServiceMetadata" ma:hidden="true" ma:internalName="MediaServiceMetadata" ma:readOnly="true">
@@ -56380,61 +56384,72 @@
         <xsd:restriction base="dms:Note"/>
       </xsd:simpleType>
     </xsd:element>
-    <xsd:element name="lcf76f155ced4ddcb4097134ff3c332f" ma:index="11" nillable="true" ma:taxonomy="true" ma:internalName="lcf76f155ced4ddcb4097134ff3c332f" ma:taxonomyFieldName="MediaServiceImageTags" ma:displayName="Bildmarkierungen" ma:readOnly="false" ma:fieldId="{5cf76f15-5ced-4ddc-b409-7134ff3c332f}" ma:taxonomyMulti="true" ma:sspId="81d8494a-d8c0-4841-8b95-3c1907ea46f3" ma:termSetId="09814cd3-568e-fe90-9814-8d621ff8fb84" ma:anchorId="fba54fb3-c3e1-fe81-a776-ca4b69148c4d" ma:open="true" ma:isKeyword="false">
+    <xsd:element name="MediaServiceAutoKeyPoints" ma:index="10" nillable="true" ma:displayName="MediaServiceAutoKeyPoints" ma:hidden="true" ma:internalName="MediaServiceAutoKeyPoints" ma:readOnly="true">
+      <xsd:simpleType>
+        <xsd:restriction base="dms:Note"/>
+      </xsd:simpleType>
+    </xsd:element>
+    <xsd:element name="MediaServiceKeyPoints" ma:index="11" nillable="true" ma:displayName="KeyPoints" ma:internalName="MediaServiceKeyPoints" ma:readOnly="true">
+      <xsd:simpleType>
+        <xsd:restriction base="dms:Note">
+          <xsd:maxLength value="255"/>
+        </xsd:restriction>
+      </xsd:simpleType>
+    </xsd:element>
+    <xsd:element name="MediaServiceAutoTags" ma:index="12" nillable="true" ma:displayName="Tags" ma:internalName="MediaServiceAutoTags" ma:readOnly="true">
+      <xsd:simpleType>
+        <xsd:restriction base="dms:Text"/>
+      </xsd:simpleType>
+    </xsd:element>
+    <xsd:element name="MediaServiceGenerationTime" ma:index="13" nillable="true" ma:displayName="MediaServiceGenerationTime" ma:hidden="true" ma:internalName="MediaServiceGenerationTime" ma:readOnly="true">
+      <xsd:simpleType>
+        <xsd:restriction base="dms:Text"/>
+      </xsd:simpleType>
+    </xsd:element>
+    <xsd:element name="MediaServiceEventHashCode" ma:index="14" nillable="true" ma:displayName="MediaServiceEventHashCode" ma:hidden="true" ma:internalName="MediaServiceEventHashCode" ma:readOnly="true">
+      <xsd:simpleType>
+        <xsd:restriction base="dms:Text"/>
+      </xsd:simpleType>
+    </xsd:element>
+    <xsd:element name="MediaServiceOCR" ma:index="15" nillable="true" ma:displayName="Extracted Text" ma:internalName="MediaServiceOCR" ma:readOnly="true">
+      <xsd:simpleType>
+        <xsd:restriction base="dms:Note">
+          <xsd:maxLength value="255"/>
+        </xsd:restriction>
+      </xsd:simpleType>
+    </xsd:element>
+    <xsd:element name="lcf76f155ced4ddcb4097134ff3c332f" ma:index="19" nillable="true" ma:taxonomy="true" ma:internalName="lcf76f155ced4ddcb4097134ff3c332f" ma:taxonomyFieldName="MediaServiceImageTags" ma:displayName="Bildmarkierungen" ma:readOnly="false" ma:fieldId="{5cf76f15-5ced-4ddc-b409-7134ff3c332f}" ma:taxonomyMulti="true" ma:sspId="81d8494a-d8c0-4841-8b95-3c1907ea46f3" ma:termSetId="09814cd3-568e-fe90-9814-8d621ff8fb84" ma:anchorId="fba54fb3-c3e1-fe81-a776-ca4b69148c4d" ma:open="true" ma:isKeyword="false">
       <xsd:complexType>
         <xsd:sequence>
           <xsd:element ref="pc:Terms" minOccurs="0" maxOccurs="1"/>
         </xsd:sequence>
       </xsd:complexType>
     </xsd:element>
-    <xsd:element name="MediaServiceDateTaken" ma:index="13" nillable="true" ma:displayName="MediaServiceDateTaken" ma:hidden="true" ma:indexed="true" ma:internalName="MediaServiceDateTaken" ma:readOnly="true">
+    <xsd:element name="MediaServiceDateTaken" ma:index="21" nillable="true" ma:displayName="MediaServiceDateTaken" ma:hidden="true" ma:indexed="true" ma:internalName="MediaServiceDateTaken" ma:readOnly="true">
       <xsd:simpleType>
         <xsd:restriction base="dms:Text"/>
       </xsd:simpleType>
     </xsd:element>
-    <xsd:element name="MediaServiceGenerationTime" ma:index="14" nillable="true" ma:displayName="MediaServiceGenerationTime" ma:hidden="true" ma:internalName="MediaServiceGenerationTime" ma:readOnly="true">
+    <xsd:element name="MediaLengthInSeconds" ma:index="22" nillable="true" ma:displayName="MediaLengthInSeconds" ma:hidden="true" ma:internalName="MediaLengthInSeconds" ma:readOnly="true">
+      <xsd:simpleType>
+        <xsd:restriction base="dms:Unknown"/>
+      </xsd:simpleType>
+    </xsd:element>
+    <xsd:element name="MediaServiceObjectDetectorVersions" ma:index="23" nillable="true" ma:displayName="MediaServiceObjectDetectorVersions" ma:description="" ma:hidden="true" ma:indexed="true" ma:internalName="MediaServiceObjectDetectorVersions" ma:readOnly="true">
       <xsd:simpleType>
         <xsd:restriction base="dms:Text"/>
       </xsd:simpleType>
     </xsd:element>
-    <xsd:element name="MediaServiceEventHashCode" ma:index="15" nillable="true" ma:displayName="MediaServiceEventHashCode" ma:hidden="true" ma:internalName="MediaServiceEventHashCode" ma:readOnly="true">
-      <xsd:simpleType>
-        <xsd:restriction base="dms:Text"/>
-      </xsd:simpleType>
-    </xsd:element>
-    <xsd:element name="MediaServiceObjectDetectorVersions" ma:index="16" nillable="true" ma:displayName="MediaServiceObjectDetectorVersions" ma:hidden="true" ma:indexed="true" ma:internalName="MediaServiceObjectDetectorVersions" ma:readOnly="true">
-      <xsd:simpleType>
-        <xsd:restriction base="dms:Text"/>
-      </xsd:simpleType>
-    </xsd:element>
-    <xsd:element name="MediaServiceOCR" ma:index="17" nillable="true" ma:displayName="Extracted Text" ma:internalName="MediaServiceOCR" ma:readOnly="true">
-      <xsd:simpleType>
-        <xsd:restriction base="dms:Note">
-          <xsd:maxLength value="255"/>
-        </xsd:restriction>
-      </xsd:simpleType>
-    </xsd:element>
-    <xsd:element name="MediaServiceSearchProperties" ma:index="20" nillable="true" ma:displayName="MediaServiceSearchProperties" ma:hidden="true" ma:internalName="MediaServiceSearchProperties" ma:readOnly="true">
+    <xsd:element name="MediaServiceSearchProperties" ma:index="24" nillable="true" ma:displayName="MediaServiceSearchProperties" ma:hidden="true" ma:internalName="MediaServiceSearchProperties" ma:readOnly="true">
       <xsd:simpleType>
         <xsd:restriction base="dms:Note"/>
       </xsd:simpleType>
     </xsd:element>
   </xsd:schema>
-  <xsd:schema xmlns:xsd="http://www.w3.org/2001/XMLSchema" xmlns:xs="http://www.w3.org/2001/XMLSchema" xmlns:dms="http://schemas.microsoft.com/office/2006/documentManagement/types" xmlns:pc="http://schemas.microsoft.com/office/infopath/2007/PartnerControls" targetNamespace="d19148a6-9c14-46dc-b5f8-38518494dfee" elementFormDefault="qualified">
+  <xsd:schema xmlns:xsd="http://www.w3.org/2001/XMLSchema" xmlns:xs="http://www.w3.org/2001/XMLSchema" xmlns:dms="http://schemas.microsoft.com/office/2006/documentManagement/types" xmlns:pc="http://schemas.microsoft.com/office/infopath/2007/PartnerControls" targetNamespace="23ddcab0-a966-4845-914d-c4a107ab42c2" elementFormDefault="qualified">
     <xsd:import namespace="http://schemas.microsoft.com/office/2006/documentManagement/types"/>
     <xsd:import namespace="http://schemas.microsoft.com/office/infopath/2007/PartnerControls"/>
-    <xsd:element name="TaxCatchAll" ma:index="12" nillable="true" ma:displayName="Taxonomy Catch All Column" ma:hidden="true" ma:list="{f214723b-2c66-4088-90ba-86617e52b763}" ma:internalName="TaxCatchAll" ma:showField="CatchAllData" ma:web="d19148a6-9c14-46dc-b5f8-38518494dfee">
-      <xsd:complexType>
-        <xsd:complexContent>
-          <xsd:extension base="dms:MultiChoiceLookup">
-            <xsd:sequence>
-              <xsd:element name="Value" type="dms:Lookup" maxOccurs="unbounded" minOccurs="0" nillable="true"/>
-            </xsd:sequence>
-          </xsd:extension>
-        </xsd:complexContent>
-      </xsd:complexType>
-    </xsd:element>
-    <xsd:element name="SharedWithUsers" ma:index="18" nillable="true" ma:displayName="Freigegeben für" ma:internalName="SharedWithUsers" ma:readOnly="true">
+    <xsd:element name="SharedWithUsers" ma:index="16" nillable="true" ma:displayName="Freigegeben für" ma:internalName="SharedWithUsers" ma:readOnly="true">
       <xsd:complexType>
         <xsd:complexContent>
           <xsd:extension base="dms:UserMulti">
@@ -56453,12 +56468,23 @@
         </xsd:complexContent>
       </xsd:complexType>
     </xsd:element>
-    <xsd:element name="SharedWithDetails" ma:index="19" nillable="true" ma:displayName="Freigegeben für - Details" ma:internalName="SharedWithDetails" ma:readOnly="true">
+    <xsd:element name="SharedWithDetails" ma:index="17" nillable="true" ma:displayName="Freigegeben für - Details" ma:internalName="SharedWithDetails" ma:readOnly="true">
       <xsd:simpleType>
         <xsd:restriction base="dms:Note">
           <xsd:maxLength value="255"/>
         </xsd:restriction>
       </xsd:simpleType>
+    </xsd:element>
+    <xsd:element name="TaxCatchAll" ma:index="20" nillable="true" ma:displayName="Taxonomy Catch All Column" ma:hidden="true" ma:list="{22d522ba-4e11-49db-810c-6a253732b407}" ma:internalName="TaxCatchAll" ma:showField="CatchAllData" ma:web="23ddcab0-a966-4845-914d-c4a107ab42c2">
+      <xsd:complexType>
+        <xsd:complexContent>
+          <xsd:extension base="dms:MultiChoiceLookup">
+            <xsd:sequence>
+              <xsd:element name="Value" type="dms:Lookup" maxOccurs="unbounded" minOccurs="0" nillable="true"/>
+            </xsd:sequence>
+          </xsd:extension>
+        </xsd:complexContent>
+      </xsd:complexType>
     </xsd:element>
   </xsd:schema>
   <xsd:schema xmlns="http://schemas.openxmlformats.org/package/2006/metadata/core-properties" xmlns:xsd="http://www.w3.org/2001/XMLSchema" xmlns:xsi="http://www.w3.org/2001/XMLSchema-instance" xmlns:dc="http://purl.org/dc/elements/1.1/" xmlns:dcterms="http://purl.org/dc/terms/" xmlns:odoc="http://schemas.microsoft.com/internal/obd" targetNamespace="http://schemas.openxmlformats.org/package/2006/metadata/core-properties" elementFormDefault="qualified" attributeFormDefault="unqualified" blockDefault="#all">
@@ -56581,22 +56607,7 @@
 </file>
 
 <file path=customXml/itemProps2.xml><?xml version="1.0" encoding="utf-8"?>
-<ds:datastoreItem xmlns:ds="http://schemas.openxmlformats.org/officeDocument/2006/customXml" ds:itemID="{61D45369-068A-4B53-B409-B001AF294ED0}">
-  <ds:schemaRefs>
-    <ds:schemaRef ds:uri="http://schemas.microsoft.com/office/2006/metadata/contentType"/>
-    <ds:schemaRef ds:uri="http://schemas.microsoft.com/office/2006/metadata/properties/metaAttributes"/>
-    <ds:schemaRef ds:uri="http://www.w3.org/2001/XMLSchema"/>
-    <ds:schemaRef ds:uri="http://schemas.microsoft.com/office/2006/metadata/properties"/>
-    <ds:schemaRef ds:uri="9f381ceb-3cd9-4c82-af15-8bcf472081ec"/>
-    <ds:schemaRef ds:uri="d19148a6-9c14-46dc-b5f8-38518494dfee"/>
-    <ds:schemaRef ds:uri="http://schemas.microsoft.com/office/2006/documentManagement/types"/>
-    <ds:schemaRef ds:uri="http://schemas.microsoft.com/office/infopath/2007/PartnerControls"/>
-    <ds:schemaRef ds:uri="http://schemas.openxmlformats.org/package/2006/metadata/core-properties"/>
-    <ds:schemaRef ds:uri="http://purl.org/dc/elements/1.1/"/>
-    <ds:schemaRef ds:uri="http://purl.org/dc/terms/"/>
-    <ds:schemaRef ds:uri="http://schemas.microsoft.com/internal/obd"/>
-  </ds:schemaRefs>
-</ds:datastoreItem>
+<ds:datastoreItem xmlns:ds="http://schemas.openxmlformats.org/officeDocument/2006/customXml" ds:itemID="{53DF9C92-8F13-4EF6-B129-2FDA8CF79272}"/>
 </file>
 
 <file path=customXml/itemProps3.xml><?xml version="1.0" encoding="utf-8"?>
